--- a/Parking3000.pptx
+++ b/Parking3000.pptx
@@ -6585,7 +6585,12 @@
             <p:ph sz="half" idx="1"/>
           </p:nvPr>
         </p:nvSpPr>
-        <p:spPr/>
+        <p:spPr>
+          <a:xfrm>
+            <a:off x="1371600" y="2285999"/>
+            <a:ext cx="2609850" cy="3581401"/>
+          </a:xfrm>
+        </p:spPr>
         <p:txBody>
           <a:bodyPr/>
           <a:lstStyle/>
@@ -6674,6 +6679,253 @@
               <a:t>Animation</a:t>
             </a:r>
             <a:endParaRPr lang="fr-FR" dirty="0" smtClean="0"/>
+          </a:p>
+        </p:txBody>
+      </p:sp>
+      <p:sp>
+        <p:nvSpPr>
+          <p:cNvPr id="5" name="Espace réservé du contenu 2">
+            <a:extLst>
+              <a:ext uri="{FF2B5EF4-FFF2-40B4-BE49-F238E27FC236}">
+                <a16:creationId xmlns:a16="http://schemas.microsoft.com/office/drawing/2014/main" xmlns="" id="{21C565BB-CBFD-42C0-BC20-0CF147D08A77}"/>
+              </a:ext>
+            </a:extLst>
+          </p:cNvPr>
+          <p:cNvSpPr txBox="1">
+            <a:spLocks/>
+          </p:cNvSpPr>
+          <p:nvPr/>
+        </p:nvSpPr>
+        <p:spPr>
+          <a:xfrm>
+            <a:off x="3948502" y="2285999"/>
+            <a:ext cx="2609850" cy="3581401"/>
+          </a:xfrm>
+          <a:prstGeom prst="rect">
+            <a:avLst/>
+          </a:prstGeom>
+        </p:spPr>
+        <p:txBody>
+          <a:bodyPr vert="horz" lIns="91440" tIns="45720" rIns="91440" bIns="45720" rtlCol="0">
+            <a:normAutofit/>
+          </a:bodyPr>
+          <a:lstStyle>
+            <a:lvl1pPr marL="384048" indent="-384048" algn="l" defTabSz="914400" rtl="0" eaLnBrk="1" latinLnBrk="0" hangingPunct="1">
+              <a:lnSpc>
+                <a:spcPct val="94000"/>
+              </a:lnSpc>
+              <a:spcBef>
+                <a:spcPts val="1000"/>
+              </a:spcBef>
+              <a:spcAft>
+                <a:spcPts val="200"/>
+              </a:spcAft>
+              <a:buFont typeface="Franklin Gothic Book" panose="020B0503020102020204" pitchFamily="34" charset="0"/>
+              <a:buChar char="■"/>
+              <a:defRPr sz="2000" kern="1200" baseline="0">
+                <a:solidFill>
+                  <a:schemeClr val="tx2"/>
+                </a:solidFill>
+                <a:latin typeface="+mn-lt"/>
+                <a:ea typeface="+mn-ea"/>
+                <a:cs typeface="+mn-cs"/>
+              </a:defRPr>
+            </a:lvl1pPr>
+            <a:lvl2pPr marL="914400" indent="-384048" algn="l" defTabSz="914400" rtl="0" eaLnBrk="1" latinLnBrk="0" hangingPunct="1">
+              <a:lnSpc>
+                <a:spcPct val="94000"/>
+              </a:lnSpc>
+              <a:spcBef>
+                <a:spcPts val="500"/>
+              </a:spcBef>
+              <a:spcAft>
+                <a:spcPts val="200"/>
+              </a:spcAft>
+              <a:buFont typeface="Franklin Gothic Book" panose="020B0503020102020204" pitchFamily="34" charset="0"/>
+              <a:buChar char="–"/>
+              <a:defRPr sz="2000" i="1" kern="1200" baseline="0">
+                <a:solidFill>
+                  <a:schemeClr val="tx2"/>
+                </a:solidFill>
+                <a:latin typeface="+mn-lt"/>
+                <a:ea typeface="+mn-ea"/>
+                <a:cs typeface="+mn-cs"/>
+              </a:defRPr>
+            </a:lvl2pPr>
+            <a:lvl3pPr marL="1371600" indent="-384048" algn="l" defTabSz="914400" rtl="0" eaLnBrk="1" latinLnBrk="0" hangingPunct="1">
+              <a:lnSpc>
+                <a:spcPct val="94000"/>
+              </a:lnSpc>
+              <a:spcBef>
+                <a:spcPts val="500"/>
+              </a:spcBef>
+              <a:spcAft>
+                <a:spcPts val="200"/>
+              </a:spcAft>
+              <a:buFont typeface="Franklin Gothic Book" panose="020B0503020102020204" pitchFamily="34" charset="0"/>
+              <a:buChar char="■"/>
+              <a:defRPr sz="1800" kern="1200" baseline="0">
+                <a:solidFill>
+                  <a:schemeClr val="tx2"/>
+                </a:solidFill>
+                <a:latin typeface="+mn-lt"/>
+                <a:ea typeface="+mn-ea"/>
+                <a:cs typeface="+mn-cs"/>
+              </a:defRPr>
+            </a:lvl3pPr>
+            <a:lvl4pPr marL="1828800" indent="-384048" algn="l" defTabSz="914400" rtl="0" eaLnBrk="1" latinLnBrk="0" hangingPunct="1">
+              <a:lnSpc>
+                <a:spcPct val="94000"/>
+              </a:lnSpc>
+              <a:spcBef>
+                <a:spcPts val="500"/>
+              </a:spcBef>
+              <a:spcAft>
+                <a:spcPts val="200"/>
+              </a:spcAft>
+              <a:buFont typeface="Franklin Gothic Book" panose="020B0503020102020204" pitchFamily="34" charset="0"/>
+              <a:buChar char="–"/>
+              <a:defRPr sz="1800" i="1" kern="1200" baseline="0">
+                <a:solidFill>
+                  <a:schemeClr val="tx2"/>
+                </a:solidFill>
+                <a:latin typeface="+mn-lt"/>
+                <a:ea typeface="+mn-ea"/>
+                <a:cs typeface="+mn-cs"/>
+              </a:defRPr>
+            </a:lvl4pPr>
+            <a:lvl5pPr marL="2286000" indent="-384048" algn="l" defTabSz="914400" rtl="0" eaLnBrk="1" latinLnBrk="0" hangingPunct="1">
+              <a:lnSpc>
+                <a:spcPct val="94000"/>
+              </a:lnSpc>
+              <a:spcBef>
+                <a:spcPts val="500"/>
+              </a:spcBef>
+              <a:spcAft>
+                <a:spcPts val="200"/>
+              </a:spcAft>
+              <a:buFont typeface="Franklin Gothic Book" panose="020B0503020102020204" pitchFamily="34" charset="0"/>
+              <a:buChar char="■"/>
+              <a:defRPr sz="1600" kern="1200" baseline="0">
+                <a:solidFill>
+                  <a:schemeClr val="tx2"/>
+                </a:solidFill>
+                <a:latin typeface="+mn-lt"/>
+                <a:ea typeface="+mn-ea"/>
+                <a:cs typeface="+mn-cs"/>
+              </a:defRPr>
+            </a:lvl5pPr>
+            <a:lvl6pPr marL="2743200" indent="-384048" algn="l" defTabSz="914400" rtl="0" eaLnBrk="1" latinLnBrk="0" hangingPunct="1">
+              <a:lnSpc>
+                <a:spcPct val="94000"/>
+              </a:lnSpc>
+              <a:spcBef>
+                <a:spcPts val="500"/>
+              </a:spcBef>
+              <a:spcAft>
+                <a:spcPts val="200"/>
+              </a:spcAft>
+              <a:buFont typeface="Franklin Gothic Book" panose="020B0503020102020204" pitchFamily="34" charset="0"/>
+              <a:buChar char="–"/>
+              <a:defRPr sz="1600" i="1" kern="1200" baseline="0">
+                <a:solidFill>
+                  <a:schemeClr val="tx2"/>
+                </a:solidFill>
+                <a:latin typeface="+mn-lt"/>
+                <a:ea typeface="+mn-ea"/>
+                <a:cs typeface="+mn-cs"/>
+              </a:defRPr>
+            </a:lvl6pPr>
+            <a:lvl7pPr marL="3200400" indent="-384048" algn="l" defTabSz="914400" rtl="0" eaLnBrk="1" latinLnBrk="0" hangingPunct="1">
+              <a:lnSpc>
+                <a:spcPct val="94000"/>
+              </a:lnSpc>
+              <a:spcBef>
+                <a:spcPts val="500"/>
+              </a:spcBef>
+              <a:spcAft>
+                <a:spcPts val="200"/>
+              </a:spcAft>
+              <a:buFont typeface="Franklin Gothic Book" panose="020B0503020102020204" pitchFamily="34" charset="0"/>
+              <a:buChar char="■"/>
+              <a:defRPr sz="1400" kern="1200" baseline="0">
+                <a:solidFill>
+                  <a:schemeClr val="tx2"/>
+                </a:solidFill>
+                <a:latin typeface="+mn-lt"/>
+                <a:ea typeface="+mn-ea"/>
+                <a:cs typeface="+mn-cs"/>
+              </a:defRPr>
+            </a:lvl7pPr>
+            <a:lvl8pPr marL="3657600" indent="-384048" algn="l" defTabSz="914400" rtl="0" eaLnBrk="1" latinLnBrk="0" hangingPunct="1">
+              <a:lnSpc>
+                <a:spcPct val="94000"/>
+              </a:lnSpc>
+              <a:spcBef>
+                <a:spcPts val="500"/>
+              </a:spcBef>
+              <a:spcAft>
+                <a:spcPts val="200"/>
+              </a:spcAft>
+              <a:buFont typeface="Franklin Gothic Book" panose="020B0503020102020204" pitchFamily="34" charset="0"/>
+              <a:buChar char="–"/>
+              <a:defRPr sz="1400" i="1" kern="1200" baseline="0">
+                <a:solidFill>
+                  <a:schemeClr val="tx2"/>
+                </a:solidFill>
+                <a:latin typeface="+mn-lt"/>
+                <a:ea typeface="+mn-ea"/>
+                <a:cs typeface="+mn-cs"/>
+              </a:defRPr>
+            </a:lvl8pPr>
+            <a:lvl9pPr marL="4114800" indent="-384048" algn="l" defTabSz="914400" rtl="0" eaLnBrk="1" latinLnBrk="0" hangingPunct="1">
+              <a:lnSpc>
+                <a:spcPct val="94000"/>
+              </a:lnSpc>
+              <a:spcBef>
+                <a:spcPts val="500"/>
+              </a:spcBef>
+              <a:spcAft>
+                <a:spcPts val="200"/>
+              </a:spcAft>
+              <a:buFont typeface="Franklin Gothic Book" panose="020B0503020102020204" pitchFamily="34" charset="0"/>
+              <a:buChar char="■"/>
+              <a:defRPr sz="1400" kern="1200" baseline="0">
+                <a:solidFill>
+                  <a:schemeClr val="tx2"/>
+                </a:solidFill>
+                <a:latin typeface="+mn-lt"/>
+                <a:ea typeface="+mn-ea"/>
+                <a:cs typeface="+mn-cs"/>
+              </a:defRPr>
+            </a:lvl9pPr>
+          </a:lstStyle>
+          <a:p>
+            <a:r>
+              <a:rPr lang="fr-FR" dirty="0" smtClean="0"/>
+              <a:t>MOCODO / SQL</a:t>
+            </a:r>
+          </a:p>
+          <a:p>
+            <a:pPr marL="0" indent="0">
+              <a:buFont typeface="Franklin Gothic Book" panose="020B0503020102020204" pitchFamily="34" charset="0"/>
+              <a:buNone/>
+            </a:pPr>
+            <a:r>
+              <a:rPr lang="fr-FR" dirty="0" smtClean="0"/>
+              <a:t>MCD</a:t>
+            </a:r>
+          </a:p>
+          <a:p>
+            <a:pPr marL="0" indent="0">
+              <a:buFont typeface="Franklin Gothic Book" panose="020B0503020102020204" pitchFamily="34" charset="0"/>
+              <a:buNone/>
+            </a:pPr>
+            <a:r>
+              <a:rPr lang="fr-FR" dirty="0" smtClean="0"/>
+              <a:t>BDD</a:t>
+            </a:r>
+            <a:endParaRPr lang="fr-FR" dirty="0"/>
           </a:p>
         </p:txBody>
       </p:sp>

--- a/Parking3000.pptx
+++ b/Parking3000.pptx
@@ -10,15 +10,16 @@
     <p:sldId id="276" r:id="rId4"/>
     <p:sldId id="257" r:id="rId5"/>
     <p:sldId id="262" r:id="rId6"/>
-    <p:sldId id="270" r:id="rId7"/>
-    <p:sldId id="271" r:id="rId8"/>
-    <p:sldId id="274" r:id="rId9"/>
-    <p:sldId id="273" r:id="rId10"/>
-    <p:sldId id="272" r:id="rId11"/>
-    <p:sldId id="277" r:id="rId12"/>
-    <p:sldId id="278" r:id="rId13"/>
-    <p:sldId id="279" r:id="rId14"/>
-    <p:sldId id="281" r:id="rId15"/>
+    <p:sldId id="282" r:id="rId7"/>
+    <p:sldId id="270" r:id="rId8"/>
+    <p:sldId id="271" r:id="rId9"/>
+    <p:sldId id="274" r:id="rId10"/>
+    <p:sldId id="273" r:id="rId11"/>
+    <p:sldId id="272" r:id="rId12"/>
+    <p:sldId id="277" r:id="rId13"/>
+    <p:sldId id="278" r:id="rId14"/>
+    <p:sldId id="279" r:id="rId15"/>
+    <p:sldId id="281" r:id="rId16"/>
   </p:sldIdLst>
   <p:sldSz cx="12192000" cy="6858000"/>
   <p:notesSz cx="6858000" cy="9144000"/>
@@ -3968,6 +3969,84 @@
           <a:chExt cx="0" cy="0"/>
         </a:xfrm>
       </p:grpSpPr>
+      <p:pic>
+        <p:nvPicPr>
+          <p:cNvPr id="9" name="Espace réservé du contenu 8">
+            <a:extLst>
+              <a:ext uri="{FF2B5EF4-FFF2-40B4-BE49-F238E27FC236}">
+                <a16:creationId xmlns:a16="http://schemas.microsoft.com/office/drawing/2014/main" xmlns="" id="{6C1367B9-9EC7-472A-A6C5-4AC68A371913}"/>
+              </a:ext>
+            </a:extLst>
+          </p:cNvPr>
+          <p:cNvPicPr>
+            <a:picLocks noGrp="1" noChangeAspect="1"/>
+          </p:cNvPicPr>
+          <p:nvPr>
+            <p:ph idx="1"/>
+          </p:nvPr>
+        </p:nvPicPr>
+        <p:blipFill>
+          <a:blip r:embed="rId2"/>
+          <a:stretch>
+            <a:fillRect/>
+          </a:stretch>
+        </p:blipFill>
+        <p:spPr bwMode="hidden">
+          <a:xfrm>
+            <a:off x="4078128" y="105465"/>
+            <a:ext cx="3078448" cy="6912079"/>
+          </a:xfrm>
+        </p:spPr>
+      </p:pic>
+    </p:spTree>
+    <p:extLst>
+      <p:ext uri="{BB962C8B-B14F-4D97-AF65-F5344CB8AC3E}">
+        <p14:creationId xmlns:p14="http://schemas.microsoft.com/office/powerpoint/2010/main" val="2014081793"/>
+      </p:ext>
+    </p:extLst>
+  </p:cSld>
+  <p:clrMapOvr>
+    <a:masterClrMapping/>
+  </p:clrMapOvr>
+  <mc:AlternateContent xmlns:mc="http://schemas.openxmlformats.org/markup-compatibility/2006" xmlns:p14="http://schemas.microsoft.com/office/powerpoint/2010/main">
+    <mc:Choice Requires="p14">
+      <p:transition spd="slow" p14:dur="1300">
+        <p14:pan dir="u"/>
+      </p:transition>
+    </mc:Choice>
+    <mc:Fallback xmlns="">
+      <p:transition spd="slow">
+        <p:fade/>
+      </p:transition>
+    </mc:Fallback>
+  </mc:AlternateContent>
+  <p:timing>
+    <p:tnLst>
+      <p:par>
+        <p:cTn id="1" dur="indefinite" restart="never" nodeType="tmRoot"/>
+      </p:par>
+    </p:tnLst>
+  </p:timing>
+</p:sld>
+</file>
+
+<file path=ppt/slides/slide11.xml><?xml version="1.0" encoding="utf-8"?>
+<p:sld xmlns:a="http://schemas.openxmlformats.org/drawingml/2006/main" xmlns:r="http://schemas.openxmlformats.org/officeDocument/2006/relationships" xmlns:p="http://schemas.openxmlformats.org/presentationml/2006/main">
+  <p:cSld>
+    <p:spTree>
+      <p:nvGrpSpPr>
+        <p:cNvPr id="1" name=""/>
+        <p:cNvGrpSpPr/>
+        <p:nvPr/>
+      </p:nvGrpSpPr>
+      <p:grpSpPr>
+        <a:xfrm>
+          <a:off x="0" y="0"/>
+          <a:ext cx="0" cy="0"/>
+          <a:chOff x="0" y="0"/>
+          <a:chExt cx="0" cy="0"/>
+        </a:xfrm>
+      </p:grpSpPr>
       <p:sp>
         <p:nvSpPr>
           <p:cNvPr id="2" name="Titre 1">
@@ -4385,7 +4464,7 @@
 </p:sld>
 </file>
 
-<file path=ppt/slides/slide11.xml><?xml version="1.0" encoding="utf-8"?>
+<file path=ppt/slides/slide12.xml><?xml version="1.0" encoding="utf-8"?>
 <p:sld xmlns:a="http://schemas.openxmlformats.org/drawingml/2006/main" xmlns:r="http://schemas.openxmlformats.org/officeDocument/2006/relationships" xmlns:p="http://schemas.openxmlformats.org/presentationml/2006/main">
   <p:cSld>
     <p:spTree>
@@ -4459,7 +4538,7 @@
 </p:sld>
 </file>
 
-<file path=ppt/slides/slide12.xml><?xml version="1.0" encoding="utf-8"?>
+<file path=ppt/slides/slide13.xml><?xml version="1.0" encoding="utf-8"?>
 <p:sld xmlns:a="http://schemas.openxmlformats.org/drawingml/2006/main" xmlns:r="http://schemas.openxmlformats.org/officeDocument/2006/relationships" xmlns:p="http://schemas.openxmlformats.org/presentationml/2006/main">
   <p:cSld>
     <p:spTree>
@@ -4990,7 +5069,7 @@
 </p:sld>
 </file>
 
-<file path=ppt/slides/slide13.xml><?xml version="1.0" encoding="utf-8"?>
+<file path=ppt/slides/slide14.xml><?xml version="1.0" encoding="utf-8"?>
 <p:sld xmlns:a="http://schemas.openxmlformats.org/drawingml/2006/main" xmlns:r="http://schemas.openxmlformats.org/officeDocument/2006/relationships" xmlns:p="http://schemas.openxmlformats.org/presentationml/2006/main">
   <p:cSld>
     <p:spTree>
@@ -5436,7 +5515,7 @@
 </p:sld>
 </file>
 
-<file path=ppt/slides/slide14.xml><?xml version="1.0" encoding="utf-8"?>
+<file path=ppt/slides/slide15.xml><?xml version="1.0" encoding="utf-8"?>
 <p:sld xmlns:a="http://schemas.openxmlformats.org/drawingml/2006/main" xmlns:r="http://schemas.openxmlformats.org/officeDocument/2006/relationships" xmlns:p="http://schemas.openxmlformats.org/presentationml/2006/main">
   <p:cSld>
     <p:spTree>
@@ -6482,8 +6561,13 @@
           <a:p>
             <a:r>
               <a:rPr lang="fr-FR" dirty="0"/>
-              <a:t>Les langages utiliser</a:t>
-            </a:r>
+              <a:t>Les langages </a:t>
+            </a:r>
+            <a:r>
+              <a:rPr lang="fr-FR" dirty="0" smtClean="0"/>
+              <a:t>ET TECHNOS utiliser</a:t>
+            </a:r>
+            <a:endParaRPr lang="fr-FR" dirty="0"/>
           </a:p>
         </p:txBody>
       </p:sp>
@@ -6563,8 +6647,15 @@
             </a:r>
             <a:r>
               <a:rPr lang="fr-FR" dirty="0" smtClean="0"/>
-              <a:t>/ CSS / PHP / JS </a:t>
-            </a:r>
+              <a:t>/ CSS / PHP / JS / SQL </a:t>
+            </a:r>
+            <a:r>
+              <a:rPr lang="fr-FR" dirty="0"/>
+              <a:t>/  GITHUB</a:t>
+            </a:r>
+            <a:br>
+              <a:rPr lang="fr-FR" dirty="0"/>
+            </a:br>
             <a:endParaRPr lang="fr-FR" dirty="0"/>
           </a:p>
         </p:txBody>
@@ -6588,7 +6679,7 @@
         <p:spPr>
           <a:xfrm>
             <a:off x="1371600" y="2285999"/>
-            <a:ext cx="2609850" cy="3581401"/>
+            <a:ext cx="1962150" cy="3581401"/>
           </a:xfrm>
         </p:spPr>
         <p:txBody>
@@ -6597,7 +6688,7 @@
           <a:p>
             <a:r>
               <a:rPr lang="fr-FR" dirty="0" smtClean="0"/>
-              <a:t>HTML / PHP / JS</a:t>
+              <a:t>HTML </a:t>
             </a:r>
           </a:p>
           <a:p>
@@ -6607,15 +6698,6 @@
             <a:r>
               <a:rPr lang="fr-FR" dirty="0" smtClean="0"/>
               <a:t>Structure</a:t>
-            </a:r>
-          </a:p>
-          <a:p>
-            <a:pPr marL="0" indent="0">
-              <a:buNone/>
-            </a:pPr>
-            <a:r>
-              <a:rPr lang="fr-FR" dirty="0" smtClean="0"/>
-              <a:t>Fonctionnalités</a:t>
             </a:r>
           </a:p>
           <a:p>
@@ -6642,7 +6724,12 @@
             <p:ph sz="half" idx="2"/>
           </p:nvPr>
         </p:nvSpPr>
-        <p:spPr/>
+        <p:spPr>
+          <a:xfrm>
+            <a:off x="5849128" y="2285998"/>
+            <a:ext cx="1847072" cy="3581401"/>
+          </a:xfrm>
+        </p:spPr>
         <p:txBody>
           <a:bodyPr/>
           <a:lstStyle/>
@@ -6698,8 +6785,8 @@
         </p:nvSpPr>
         <p:spPr>
           <a:xfrm>
-            <a:off x="3948502" y="2285999"/>
-            <a:ext cx="2609850" cy="3581401"/>
+            <a:off x="3345850" y="2247896"/>
+            <a:ext cx="2328473" cy="3581401"/>
           </a:xfrm>
           <a:prstGeom prst="rect">
             <a:avLst/>
@@ -6929,6 +7016,482 @@
           </a:p>
         </p:txBody>
       </p:sp>
+      <p:sp>
+        <p:nvSpPr>
+          <p:cNvPr id="7" name="Espace réservé du contenu 3">
+            <a:extLst>
+              <a:ext uri="{FF2B5EF4-FFF2-40B4-BE49-F238E27FC236}">
+                <a16:creationId xmlns:a16="http://schemas.microsoft.com/office/drawing/2014/main" xmlns="" id="{F974FA7B-44F7-4541-8B3F-976DB9D00E51}"/>
+              </a:ext>
+            </a:extLst>
+          </p:cNvPr>
+          <p:cNvSpPr txBox="1">
+            <a:spLocks/>
+          </p:cNvSpPr>
+          <p:nvPr/>
+        </p:nvSpPr>
+        <p:spPr>
+          <a:xfrm>
+            <a:off x="9535689" y="2285997"/>
+            <a:ext cx="2352675" cy="3581401"/>
+          </a:xfrm>
+          <a:prstGeom prst="rect">
+            <a:avLst/>
+          </a:prstGeom>
+        </p:spPr>
+        <p:txBody>
+          <a:bodyPr vert="horz" lIns="91440" tIns="45720" rIns="91440" bIns="45720" rtlCol="0">
+            <a:normAutofit/>
+          </a:bodyPr>
+          <a:lstStyle>
+            <a:lvl1pPr marL="384048" indent="-384048" algn="l" defTabSz="914400" rtl="0" eaLnBrk="1" latinLnBrk="0" hangingPunct="1">
+              <a:lnSpc>
+                <a:spcPct val="94000"/>
+              </a:lnSpc>
+              <a:spcBef>
+                <a:spcPts val="1000"/>
+              </a:spcBef>
+              <a:spcAft>
+                <a:spcPts val="200"/>
+              </a:spcAft>
+              <a:buFont typeface="Franklin Gothic Book" panose="020B0503020102020204" pitchFamily="34" charset="0"/>
+              <a:buChar char="■"/>
+              <a:defRPr sz="2000" kern="1200" baseline="0">
+                <a:solidFill>
+                  <a:schemeClr val="tx2"/>
+                </a:solidFill>
+                <a:latin typeface="+mn-lt"/>
+                <a:ea typeface="+mn-ea"/>
+                <a:cs typeface="+mn-cs"/>
+              </a:defRPr>
+            </a:lvl1pPr>
+            <a:lvl2pPr marL="914400" indent="-384048" algn="l" defTabSz="914400" rtl="0" eaLnBrk="1" latinLnBrk="0" hangingPunct="1">
+              <a:lnSpc>
+                <a:spcPct val="94000"/>
+              </a:lnSpc>
+              <a:spcBef>
+                <a:spcPts val="500"/>
+              </a:spcBef>
+              <a:spcAft>
+                <a:spcPts val="200"/>
+              </a:spcAft>
+              <a:buFont typeface="Franklin Gothic Book" panose="020B0503020102020204" pitchFamily="34" charset="0"/>
+              <a:buChar char="–"/>
+              <a:defRPr sz="2000" i="1" kern="1200" baseline="0">
+                <a:solidFill>
+                  <a:schemeClr val="tx2"/>
+                </a:solidFill>
+                <a:latin typeface="+mn-lt"/>
+                <a:ea typeface="+mn-ea"/>
+                <a:cs typeface="+mn-cs"/>
+              </a:defRPr>
+            </a:lvl2pPr>
+            <a:lvl3pPr marL="1371600" indent="-384048" algn="l" defTabSz="914400" rtl="0" eaLnBrk="1" latinLnBrk="0" hangingPunct="1">
+              <a:lnSpc>
+                <a:spcPct val="94000"/>
+              </a:lnSpc>
+              <a:spcBef>
+                <a:spcPts val="500"/>
+              </a:spcBef>
+              <a:spcAft>
+                <a:spcPts val="200"/>
+              </a:spcAft>
+              <a:buFont typeface="Franklin Gothic Book" panose="020B0503020102020204" pitchFamily="34" charset="0"/>
+              <a:buChar char="■"/>
+              <a:defRPr sz="1800" kern="1200" baseline="0">
+                <a:solidFill>
+                  <a:schemeClr val="tx2"/>
+                </a:solidFill>
+                <a:latin typeface="+mn-lt"/>
+                <a:ea typeface="+mn-ea"/>
+                <a:cs typeface="+mn-cs"/>
+              </a:defRPr>
+            </a:lvl3pPr>
+            <a:lvl4pPr marL="1828800" indent="-384048" algn="l" defTabSz="914400" rtl="0" eaLnBrk="1" latinLnBrk="0" hangingPunct="1">
+              <a:lnSpc>
+                <a:spcPct val="94000"/>
+              </a:lnSpc>
+              <a:spcBef>
+                <a:spcPts val="500"/>
+              </a:spcBef>
+              <a:spcAft>
+                <a:spcPts val="200"/>
+              </a:spcAft>
+              <a:buFont typeface="Franklin Gothic Book" panose="020B0503020102020204" pitchFamily="34" charset="0"/>
+              <a:buChar char="–"/>
+              <a:defRPr sz="1800" i="1" kern="1200" baseline="0">
+                <a:solidFill>
+                  <a:schemeClr val="tx2"/>
+                </a:solidFill>
+                <a:latin typeface="+mn-lt"/>
+                <a:ea typeface="+mn-ea"/>
+                <a:cs typeface="+mn-cs"/>
+              </a:defRPr>
+            </a:lvl4pPr>
+            <a:lvl5pPr marL="2286000" indent="-384048" algn="l" defTabSz="914400" rtl="0" eaLnBrk="1" latinLnBrk="0" hangingPunct="1">
+              <a:lnSpc>
+                <a:spcPct val="94000"/>
+              </a:lnSpc>
+              <a:spcBef>
+                <a:spcPts val="500"/>
+              </a:spcBef>
+              <a:spcAft>
+                <a:spcPts val="200"/>
+              </a:spcAft>
+              <a:buFont typeface="Franklin Gothic Book" panose="020B0503020102020204" pitchFamily="34" charset="0"/>
+              <a:buChar char="■"/>
+              <a:defRPr sz="1600" kern="1200" baseline="0">
+                <a:solidFill>
+                  <a:schemeClr val="tx2"/>
+                </a:solidFill>
+                <a:latin typeface="+mn-lt"/>
+                <a:ea typeface="+mn-ea"/>
+                <a:cs typeface="+mn-cs"/>
+              </a:defRPr>
+            </a:lvl5pPr>
+            <a:lvl6pPr marL="2743200" indent="-384048" algn="l" defTabSz="914400" rtl="0" eaLnBrk="1" latinLnBrk="0" hangingPunct="1">
+              <a:lnSpc>
+                <a:spcPct val="94000"/>
+              </a:lnSpc>
+              <a:spcBef>
+                <a:spcPts val="500"/>
+              </a:spcBef>
+              <a:spcAft>
+                <a:spcPts val="200"/>
+              </a:spcAft>
+              <a:buFont typeface="Franklin Gothic Book" panose="020B0503020102020204" pitchFamily="34" charset="0"/>
+              <a:buChar char="–"/>
+              <a:defRPr sz="1600" i="1" kern="1200" baseline="0">
+                <a:solidFill>
+                  <a:schemeClr val="tx2"/>
+                </a:solidFill>
+                <a:latin typeface="+mn-lt"/>
+                <a:ea typeface="+mn-ea"/>
+                <a:cs typeface="+mn-cs"/>
+              </a:defRPr>
+            </a:lvl6pPr>
+            <a:lvl7pPr marL="3200400" indent="-384048" algn="l" defTabSz="914400" rtl="0" eaLnBrk="1" latinLnBrk="0" hangingPunct="1">
+              <a:lnSpc>
+                <a:spcPct val="94000"/>
+              </a:lnSpc>
+              <a:spcBef>
+                <a:spcPts val="500"/>
+              </a:spcBef>
+              <a:spcAft>
+                <a:spcPts val="200"/>
+              </a:spcAft>
+              <a:buFont typeface="Franklin Gothic Book" panose="020B0503020102020204" pitchFamily="34" charset="0"/>
+              <a:buChar char="■"/>
+              <a:defRPr sz="1400" kern="1200" baseline="0">
+                <a:solidFill>
+                  <a:schemeClr val="tx2"/>
+                </a:solidFill>
+                <a:latin typeface="+mn-lt"/>
+                <a:ea typeface="+mn-ea"/>
+                <a:cs typeface="+mn-cs"/>
+              </a:defRPr>
+            </a:lvl7pPr>
+            <a:lvl8pPr marL="3657600" indent="-384048" algn="l" defTabSz="914400" rtl="0" eaLnBrk="1" latinLnBrk="0" hangingPunct="1">
+              <a:lnSpc>
+                <a:spcPct val="94000"/>
+              </a:lnSpc>
+              <a:spcBef>
+                <a:spcPts val="500"/>
+              </a:spcBef>
+              <a:spcAft>
+                <a:spcPts val="200"/>
+              </a:spcAft>
+              <a:buFont typeface="Franklin Gothic Book" panose="020B0503020102020204" pitchFamily="34" charset="0"/>
+              <a:buChar char="–"/>
+              <a:defRPr sz="1400" i="1" kern="1200" baseline="0">
+                <a:solidFill>
+                  <a:schemeClr val="tx2"/>
+                </a:solidFill>
+                <a:latin typeface="+mn-lt"/>
+                <a:ea typeface="+mn-ea"/>
+                <a:cs typeface="+mn-cs"/>
+              </a:defRPr>
+            </a:lvl8pPr>
+            <a:lvl9pPr marL="4114800" indent="-384048" algn="l" defTabSz="914400" rtl="0" eaLnBrk="1" latinLnBrk="0" hangingPunct="1">
+              <a:lnSpc>
+                <a:spcPct val="94000"/>
+              </a:lnSpc>
+              <a:spcBef>
+                <a:spcPts val="500"/>
+              </a:spcBef>
+              <a:spcAft>
+                <a:spcPts val="200"/>
+              </a:spcAft>
+              <a:buFont typeface="Franklin Gothic Book" panose="020B0503020102020204" pitchFamily="34" charset="0"/>
+              <a:buChar char="■"/>
+              <a:defRPr sz="1400" kern="1200" baseline="0">
+                <a:solidFill>
+                  <a:schemeClr val="tx2"/>
+                </a:solidFill>
+                <a:latin typeface="+mn-lt"/>
+                <a:ea typeface="+mn-ea"/>
+                <a:cs typeface="+mn-cs"/>
+              </a:defRPr>
+            </a:lvl9pPr>
+          </a:lstStyle>
+          <a:p>
+            <a:r>
+              <a:rPr lang="fr-FR" dirty="0"/>
+              <a:t>GITHUB</a:t>
+            </a:r>
+          </a:p>
+          <a:p>
+            <a:pPr marL="0" indent="0">
+              <a:buNone/>
+            </a:pPr>
+            <a:r>
+              <a:rPr lang="fr-FR" dirty="0" smtClean="0"/>
+              <a:t>Communication</a:t>
+            </a:r>
+          </a:p>
+        </p:txBody>
+      </p:sp>
+      <p:sp>
+        <p:nvSpPr>
+          <p:cNvPr id="8" name="Espace réservé du contenu 3">
+            <a:extLst>
+              <a:ext uri="{FF2B5EF4-FFF2-40B4-BE49-F238E27FC236}">
+                <a16:creationId xmlns:a16="http://schemas.microsoft.com/office/drawing/2014/main" xmlns="" id="{F974FA7B-44F7-4541-8B3F-976DB9D00E51}"/>
+              </a:ext>
+            </a:extLst>
+          </p:cNvPr>
+          <p:cNvSpPr txBox="1">
+            <a:spLocks/>
+          </p:cNvSpPr>
+          <p:nvPr/>
+        </p:nvSpPr>
+        <p:spPr>
+          <a:xfrm>
+            <a:off x="7513812" y="2247896"/>
+            <a:ext cx="1847072" cy="3581401"/>
+          </a:xfrm>
+          <a:prstGeom prst="rect">
+            <a:avLst/>
+          </a:prstGeom>
+        </p:spPr>
+        <p:txBody>
+          <a:bodyPr vert="horz" lIns="91440" tIns="45720" rIns="91440" bIns="45720" rtlCol="0">
+            <a:normAutofit/>
+          </a:bodyPr>
+          <a:lstStyle>
+            <a:lvl1pPr marL="384048" indent="-384048" algn="l" defTabSz="914400" rtl="0" eaLnBrk="1" latinLnBrk="0" hangingPunct="1">
+              <a:lnSpc>
+                <a:spcPct val="94000"/>
+              </a:lnSpc>
+              <a:spcBef>
+                <a:spcPts val="1000"/>
+              </a:spcBef>
+              <a:spcAft>
+                <a:spcPts val="200"/>
+              </a:spcAft>
+              <a:buFont typeface="Franklin Gothic Book" panose="020B0503020102020204" pitchFamily="34" charset="0"/>
+              <a:buChar char="■"/>
+              <a:defRPr sz="2000" kern="1200" baseline="0">
+                <a:solidFill>
+                  <a:schemeClr val="tx2"/>
+                </a:solidFill>
+                <a:latin typeface="+mn-lt"/>
+                <a:ea typeface="+mn-ea"/>
+                <a:cs typeface="+mn-cs"/>
+              </a:defRPr>
+            </a:lvl1pPr>
+            <a:lvl2pPr marL="914400" indent="-384048" algn="l" defTabSz="914400" rtl="0" eaLnBrk="1" latinLnBrk="0" hangingPunct="1">
+              <a:lnSpc>
+                <a:spcPct val="94000"/>
+              </a:lnSpc>
+              <a:spcBef>
+                <a:spcPts val="500"/>
+              </a:spcBef>
+              <a:spcAft>
+                <a:spcPts val="200"/>
+              </a:spcAft>
+              <a:buFont typeface="Franklin Gothic Book" panose="020B0503020102020204" pitchFamily="34" charset="0"/>
+              <a:buChar char="–"/>
+              <a:defRPr sz="2000" i="1" kern="1200" baseline="0">
+                <a:solidFill>
+                  <a:schemeClr val="tx2"/>
+                </a:solidFill>
+                <a:latin typeface="+mn-lt"/>
+                <a:ea typeface="+mn-ea"/>
+                <a:cs typeface="+mn-cs"/>
+              </a:defRPr>
+            </a:lvl2pPr>
+            <a:lvl3pPr marL="1371600" indent="-384048" algn="l" defTabSz="914400" rtl="0" eaLnBrk="1" latinLnBrk="0" hangingPunct="1">
+              <a:lnSpc>
+                <a:spcPct val="94000"/>
+              </a:lnSpc>
+              <a:spcBef>
+                <a:spcPts val="500"/>
+              </a:spcBef>
+              <a:spcAft>
+                <a:spcPts val="200"/>
+              </a:spcAft>
+              <a:buFont typeface="Franklin Gothic Book" panose="020B0503020102020204" pitchFamily="34" charset="0"/>
+              <a:buChar char="■"/>
+              <a:defRPr sz="1800" kern="1200" baseline="0">
+                <a:solidFill>
+                  <a:schemeClr val="tx2"/>
+                </a:solidFill>
+                <a:latin typeface="+mn-lt"/>
+                <a:ea typeface="+mn-ea"/>
+                <a:cs typeface="+mn-cs"/>
+              </a:defRPr>
+            </a:lvl3pPr>
+            <a:lvl4pPr marL="1828800" indent="-384048" algn="l" defTabSz="914400" rtl="0" eaLnBrk="1" latinLnBrk="0" hangingPunct="1">
+              <a:lnSpc>
+                <a:spcPct val="94000"/>
+              </a:lnSpc>
+              <a:spcBef>
+                <a:spcPts val="500"/>
+              </a:spcBef>
+              <a:spcAft>
+                <a:spcPts val="200"/>
+              </a:spcAft>
+              <a:buFont typeface="Franklin Gothic Book" panose="020B0503020102020204" pitchFamily="34" charset="0"/>
+              <a:buChar char="–"/>
+              <a:defRPr sz="1800" i="1" kern="1200" baseline="0">
+                <a:solidFill>
+                  <a:schemeClr val="tx2"/>
+                </a:solidFill>
+                <a:latin typeface="+mn-lt"/>
+                <a:ea typeface="+mn-ea"/>
+                <a:cs typeface="+mn-cs"/>
+              </a:defRPr>
+            </a:lvl4pPr>
+            <a:lvl5pPr marL="2286000" indent="-384048" algn="l" defTabSz="914400" rtl="0" eaLnBrk="1" latinLnBrk="0" hangingPunct="1">
+              <a:lnSpc>
+                <a:spcPct val="94000"/>
+              </a:lnSpc>
+              <a:spcBef>
+                <a:spcPts val="500"/>
+              </a:spcBef>
+              <a:spcAft>
+                <a:spcPts val="200"/>
+              </a:spcAft>
+              <a:buFont typeface="Franklin Gothic Book" panose="020B0503020102020204" pitchFamily="34" charset="0"/>
+              <a:buChar char="■"/>
+              <a:defRPr sz="1600" kern="1200" baseline="0">
+                <a:solidFill>
+                  <a:schemeClr val="tx2"/>
+                </a:solidFill>
+                <a:latin typeface="+mn-lt"/>
+                <a:ea typeface="+mn-ea"/>
+                <a:cs typeface="+mn-cs"/>
+              </a:defRPr>
+            </a:lvl5pPr>
+            <a:lvl6pPr marL="2743200" indent="-384048" algn="l" defTabSz="914400" rtl="0" eaLnBrk="1" latinLnBrk="0" hangingPunct="1">
+              <a:lnSpc>
+                <a:spcPct val="94000"/>
+              </a:lnSpc>
+              <a:spcBef>
+                <a:spcPts val="500"/>
+              </a:spcBef>
+              <a:spcAft>
+                <a:spcPts val="200"/>
+              </a:spcAft>
+              <a:buFont typeface="Franklin Gothic Book" panose="020B0503020102020204" pitchFamily="34" charset="0"/>
+              <a:buChar char="–"/>
+              <a:defRPr sz="1600" i="1" kern="1200" baseline="0">
+                <a:solidFill>
+                  <a:schemeClr val="tx2"/>
+                </a:solidFill>
+                <a:latin typeface="+mn-lt"/>
+                <a:ea typeface="+mn-ea"/>
+                <a:cs typeface="+mn-cs"/>
+              </a:defRPr>
+            </a:lvl6pPr>
+            <a:lvl7pPr marL="3200400" indent="-384048" algn="l" defTabSz="914400" rtl="0" eaLnBrk="1" latinLnBrk="0" hangingPunct="1">
+              <a:lnSpc>
+                <a:spcPct val="94000"/>
+              </a:lnSpc>
+              <a:spcBef>
+                <a:spcPts val="500"/>
+              </a:spcBef>
+              <a:spcAft>
+                <a:spcPts val="200"/>
+              </a:spcAft>
+              <a:buFont typeface="Franklin Gothic Book" panose="020B0503020102020204" pitchFamily="34" charset="0"/>
+              <a:buChar char="■"/>
+              <a:defRPr sz="1400" kern="1200" baseline="0">
+                <a:solidFill>
+                  <a:schemeClr val="tx2"/>
+                </a:solidFill>
+                <a:latin typeface="+mn-lt"/>
+                <a:ea typeface="+mn-ea"/>
+                <a:cs typeface="+mn-cs"/>
+              </a:defRPr>
+            </a:lvl7pPr>
+            <a:lvl8pPr marL="3657600" indent="-384048" algn="l" defTabSz="914400" rtl="0" eaLnBrk="1" latinLnBrk="0" hangingPunct="1">
+              <a:lnSpc>
+                <a:spcPct val="94000"/>
+              </a:lnSpc>
+              <a:spcBef>
+                <a:spcPts val="500"/>
+              </a:spcBef>
+              <a:spcAft>
+                <a:spcPts val="200"/>
+              </a:spcAft>
+              <a:buFont typeface="Franklin Gothic Book" panose="020B0503020102020204" pitchFamily="34" charset="0"/>
+              <a:buChar char="–"/>
+              <a:defRPr sz="1400" i="1" kern="1200" baseline="0">
+                <a:solidFill>
+                  <a:schemeClr val="tx2"/>
+                </a:solidFill>
+                <a:latin typeface="+mn-lt"/>
+                <a:ea typeface="+mn-ea"/>
+                <a:cs typeface="+mn-cs"/>
+              </a:defRPr>
+            </a:lvl8pPr>
+            <a:lvl9pPr marL="4114800" indent="-384048" algn="l" defTabSz="914400" rtl="0" eaLnBrk="1" latinLnBrk="0" hangingPunct="1">
+              <a:lnSpc>
+                <a:spcPct val="94000"/>
+              </a:lnSpc>
+              <a:spcBef>
+                <a:spcPts val="500"/>
+              </a:spcBef>
+              <a:spcAft>
+                <a:spcPts val="200"/>
+              </a:spcAft>
+              <a:buFont typeface="Franklin Gothic Book" panose="020B0503020102020204" pitchFamily="34" charset="0"/>
+              <a:buChar char="■"/>
+              <a:defRPr sz="1400" kern="1200" baseline="0">
+                <a:solidFill>
+                  <a:schemeClr val="tx2"/>
+                </a:solidFill>
+                <a:latin typeface="+mn-lt"/>
+                <a:ea typeface="+mn-ea"/>
+                <a:cs typeface="+mn-cs"/>
+              </a:defRPr>
+            </a:lvl9pPr>
+          </a:lstStyle>
+          <a:p>
+            <a:r>
+              <a:rPr lang="fr-FR" dirty="0" smtClean="0"/>
+              <a:t>PHP/JS</a:t>
+            </a:r>
+          </a:p>
+          <a:p>
+            <a:pPr marL="0" indent="0">
+              <a:buNone/>
+            </a:pPr>
+            <a:r>
+              <a:rPr lang="fr-FR" dirty="0"/>
+              <a:t>Fonctionnalités</a:t>
+            </a:r>
+          </a:p>
+          <a:p>
+            <a:pPr marL="0" indent="0">
+              <a:buNone/>
+            </a:pPr>
+            <a:endParaRPr lang="fr-FR" dirty="0" smtClean="0"/>
+          </a:p>
+        </p:txBody>
+      </p:sp>
     </p:spTree>
     <p:extLst>
       <p:ext uri="{BB962C8B-B14F-4D97-AF65-F5344CB8AC3E}">
@@ -7077,7 +7640,12 @@
             <p:ph type="title"/>
           </p:nvPr>
         </p:nvSpPr>
-        <p:spPr/>
+        <p:spPr>
+          <a:xfrm>
+            <a:off x="1371600" y="685800"/>
+            <a:ext cx="9601200" cy="762000"/>
+          </a:xfrm>
+        </p:spPr>
         <p:txBody>
           <a:bodyPr/>
           <a:lstStyle/>
@@ -7085,8 +7653,118 @@
             <a:pPr algn="ctr"/>
             <a:r>
               <a:rPr lang="fr-FR" dirty="0"/>
-              <a:t>Les commit </a:t>
-            </a:r>
+              <a:t>Les </a:t>
+            </a:r>
+            <a:r>
+              <a:rPr lang="fr-FR" dirty="0" smtClean="0"/>
+              <a:t>commit</a:t>
+            </a:r>
+            <a:endParaRPr lang="fr-FR" dirty="0"/>
+          </a:p>
+        </p:txBody>
+      </p:sp>
+      <p:pic>
+        <p:nvPicPr>
+          <p:cNvPr id="7" name="Espace réservé du contenu 6"/>
+          <p:cNvPicPr>
+            <a:picLocks noGrp="1" noChangeAspect="1"/>
+          </p:cNvPicPr>
+          <p:nvPr>
+            <p:ph idx="1"/>
+          </p:nvPr>
+        </p:nvPicPr>
+        <p:blipFill>
+          <a:blip r:embed="rId2"/>
+          <a:stretch>
+            <a:fillRect/>
+          </a:stretch>
+        </p:blipFill>
+        <p:spPr>
+          <a:xfrm>
+            <a:off x="1443037" y="2543175"/>
+            <a:ext cx="9458325" cy="3067050"/>
+          </a:xfrm>
+          <a:prstGeom prst="rect">
+            <a:avLst/>
+          </a:prstGeom>
+        </p:spPr>
+      </p:pic>
+    </p:spTree>
+    <p:extLst>
+      <p:ext uri="{BB962C8B-B14F-4D97-AF65-F5344CB8AC3E}">
+        <p14:creationId xmlns:p14="http://schemas.microsoft.com/office/powerpoint/2010/main" val="1809924934"/>
+      </p:ext>
+    </p:extLst>
+  </p:cSld>
+  <p:clrMapOvr>
+    <a:masterClrMapping/>
+  </p:clrMapOvr>
+  <p:transition spd="slow">
+    <p:push dir="u"/>
+  </p:transition>
+  <p:timing>
+    <p:tnLst>
+      <p:par>
+        <p:cTn id="1" dur="indefinite" restart="never" nodeType="tmRoot"/>
+      </p:par>
+    </p:tnLst>
+  </p:timing>
+</p:sld>
+</file>
+
+<file path=ppt/slides/slide6.xml><?xml version="1.0" encoding="utf-8"?>
+<p:sld xmlns:a="http://schemas.openxmlformats.org/drawingml/2006/main" xmlns:r="http://schemas.openxmlformats.org/officeDocument/2006/relationships" xmlns:p="http://schemas.openxmlformats.org/presentationml/2006/main">
+  <p:cSld>
+    <p:spTree>
+      <p:nvGrpSpPr>
+        <p:cNvPr id="1" name=""/>
+        <p:cNvGrpSpPr/>
+        <p:nvPr/>
+      </p:nvGrpSpPr>
+      <p:grpSpPr>
+        <a:xfrm>
+          <a:off x="0" y="0"/>
+          <a:ext cx="0" cy="0"/>
+          <a:chOff x="0" y="0"/>
+          <a:chExt cx="0" cy="0"/>
+        </a:xfrm>
+      </p:grpSpPr>
+      <p:sp>
+        <p:nvSpPr>
+          <p:cNvPr id="2" name="Titre 1">
+            <a:extLst>
+              <a:ext uri="{FF2B5EF4-FFF2-40B4-BE49-F238E27FC236}">
+                <a16:creationId xmlns:a16="http://schemas.microsoft.com/office/drawing/2014/main" xmlns="" id="{AD89DCD6-D6A8-45BF-B9BF-D8946A79C9D3}"/>
+              </a:ext>
+            </a:extLst>
+          </p:cNvPr>
+          <p:cNvSpPr>
+            <a:spLocks noGrp="1"/>
+          </p:cNvSpPr>
+          <p:nvPr>
+            <p:ph type="title"/>
+          </p:nvPr>
+        </p:nvSpPr>
+        <p:spPr>
+          <a:xfrm>
+            <a:off x="1371600" y="685800"/>
+            <a:ext cx="9601200" cy="762000"/>
+          </a:xfrm>
+        </p:spPr>
+        <p:txBody>
+          <a:bodyPr/>
+          <a:lstStyle/>
+          <a:p>
+            <a:pPr algn="ctr"/>
+            <a:r>
+              <a:rPr lang="fr-FR" dirty="0"/>
+              <a:t>Les </a:t>
+            </a:r>
+            <a:r>
+              <a:rPr lang="fr-FR" dirty="0" err="1" smtClean="0"/>
+              <a:t>commits</a:t>
+            </a:r>
+            <a:endParaRPr lang="fr-FR" dirty="0"/>
           </a:p>
         </p:txBody>
       </p:sp>
@@ -7251,7 +7929,7 @@
     </p:spTree>
     <p:extLst>
       <p:ext uri="{BB962C8B-B14F-4D97-AF65-F5344CB8AC3E}">
-        <p14:creationId xmlns:p14="http://schemas.microsoft.com/office/powerpoint/2010/main" val="1809924934"/>
+        <p14:creationId xmlns:p14="http://schemas.microsoft.com/office/powerpoint/2010/main" val="1197665456"/>
       </p:ext>
     </p:extLst>
   </p:cSld>
@@ -7392,7 +8070,7 @@
 </p:sld>
 </file>
 
-<file path=ppt/slides/slide6.xml><?xml version="1.0" encoding="utf-8"?>
+<file path=ppt/slides/slide7.xml><?xml version="1.0" encoding="utf-8"?>
 <p:sld xmlns:a="http://schemas.openxmlformats.org/drawingml/2006/main" xmlns:r="http://schemas.openxmlformats.org/officeDocument/2006/relationships" xmlns:p="http://schemas.openxmlformats.org/presentationml/2006/main">
   <p:cSld>
     <p:spTree>
@@ -7485,7 +8163,7 @@
 </p:sld>
 </file>
 
-<file path=ppt/slides/slide7.xml><?xml version="1.0" encoding="utf-8"?>
+<file path=ppt/slides/slide8.xml><?xml version="1.0" encoding="utf-8"?>
 <p:sld xmlns:a="http://schemas.openxmlformats.org/drawingml/2006/main" xmlns:r="http://schemas.openxmlformats.org/officeDocument/2006/relationships" xmlns:p="http://schemas.openxmlformats.org/presentationml/2006/main">
   <p:cSld>
     <p:spTree>
@@ -7520,8 +8198,8 @@
         </p:blipFill>
         <p:spPr>
           <a:xfrm>
-            <a:off x="4081462" y="2424112"/>
-            <a:ext cx="4181475" cy="3305175"/>
+            <a:off x="2038350" y="244505"/>
+            <a:ext cx="8001000" cy="6324253"/>
           </a:xfrm>
           <a:prstGeom prst="rect">
             <a:avLst/>
@@ -7551,86 +8229,6 @@
 </p:sld>
 </file>
 
-<file path=ppt/slides/slide8.xml><?xml version="1.0" encoding="utf-8"?>
-<p:sld xmlns:a="http://schemas.openxmlformats.org/drawingml/2006/main" xmlns:r="http://schemas.openxmlformats.org/officeDocument/2006/relationships" xmlns:p="http://schemas.openxmlformats.org/presentationml/2006/main">
-  <p:cSld>
-    <p:spTree>
-      <p:nvGrpSpPr>
-        <p:cNvPr id="1" name=""/>
-        <p:cNvGrpSpPr/>
-        <p:nvPr/>
-      </p:nvGrpSpPr>
-      <p:grpSpPr>
-        <a:xfrm>
-          <a:off x="0" y="0"/>
-          <a:ext cx="0" cy="0"/>
-          <a:chOff x="0" y="0"/>
-          <a:chExt cx="0" cy="0"/>
-        </a:xfrm>
-      </p:grpSpPr>
-      <p:sp>
-        <p:nvSpPr>
-          <p:cNvPr id="2" name="Titre 1">
-            <a:extLst>
-              <a:ext uri="{FF2B5EF4-FFF2-40B4-BE49-F238E27FC236}">
-                <a16:creationId xmlns:a16="http://schemas.microsoft.com/office/drawing/2014/main" xmlns="" id="{096E2533-B829-4D77-AAF4-9C8DB954881C}"/>
-              </a:ext>
-            </a:extLst>
-          </p:cNvPr>
-          <p:cNvSpPr>
-            <a:spLocks noGrp="1"/>
-          </p:cNvSpPr>
-          <p:nvPr>
-            <p:ph type="ctrTitle"/>
-          </p:nvPr>
-        </p:nvSpPr>
-        <p:spPr>
-          <a:xfrm>
-            <a:off x="1915385" y="2164374"/>
-            <a:ext cx="8361229" cy="2098226"/>
-          </a:xfrm>
-        </p:spPr>
-        <p:txBody>
-          <a:bodyPr/>
-          <a:lstStyle/>
-          <a:p>
-            <a:r>
-              <a:rPr lang="fr-FR" dirty="0"/>
-              <a:t>Maquette</a:t>
-            </a:r>
-            <a:br>
-              <a:rPr lang="fr-FR" dirty="0"/>
-            </a:br>
-            <a:r>
-              <a:rPr lang="fr-FR" dirty="0"/>
-              <a:t> du site </a:t>
-            </a:r>
-          </a:p>
-        </p:txBody>
-      </p:sp>
-    </p:spTree>
-    <p:extLst>
-      <p:ext uri="{BB962C8B-B14F-4D97-AF65-F5344CB8AC3E}">
-        <p14:creationId xmlns:p14="http://schemas.microsoft.com/office/powerpoint/2010/main" val="2380306509"/>
-      </p:ext>
-    </p:extLst>
-  </p:cSld>
-  <p:clrMapOvr>
-    <a:masterClrMapping/>
-  </p:clrMapOvr>
-  <p:transition spd="slow">
-    <p:push dir="u"/>
-  </p:transition>
-  <p:timing>
-    <p:tnLst>
-      <p:par>
-        <p:cTn id="1" dur="indefinite" restart="never" nodeType="tmRoot"/>
-      </p:par>
-    </p:tnLst>
-  </p:timing>
-</p:sld>
-</file>
-
 <file path=ppt/slides/slide9.xml><?xml version="1.0" encoding="utf-8"?>
 <p:sld xmlns:a="http://schemas.openxmlformats.org/drawingml/2006/main" xmlns:r="http://schemas.openxmlformats.org/officeDocument/2006/relationships" xmlns:p="http://schemas.openxmlformats.org/presentationml/2006/main">
   <p:cSld>
@@ -7648,57 +8246,59 @@
           <a:chExt cx="0" cy="0"/>
         </a:xfrm>
       </p:grpSpPr>
-      <p:pic>
-        <p:nvPicPr>
-          <p:cNvPr id="9" name="Espace réservé du contenu 8">
+      <p:sp>
+        <p:nvSpPr>
+          <p:cNvPr id="2" name="Titre 1">
             <a:extLst>
               <a:ext uri="{FF2B5EF4-FFF2-40B4-BE49-F238E27FC236}">
-                <a16:creationId xmlns:a16="http://schemas.microsoft.com/office/drawing/2014/main" xmlns="" id="{6C1367B9-9EC7-472A-A6C5-4AC68A371913}"/>
+                <a16:creationId xmlns:a16="http://schemas.microsoft.com/office/drawing/2014/main" xmlns="" id="{096E2533-B829-4D77-AAF4-9C8DB954881C}"/>
               </a:ext>
             </a:extLst>
           </p:cNvPr>
-          <p:cNvPicPr>
-            <a:picLocks noGrp="1" noChangeAspect="1"/>
-          </p:cNvPicPr>
+          <p:cNvSpPr>
+            <a:spLocks noGrp="1"/>
+          </p:cNvSpPr>
           <p:nvPr>
-            <p:ph idx="1"/>
+            <p:ph type="ctrTitle"/>
           </p:nvPr>
-        </p:nvPicPr>
-        <p:blipFill>
-          <a:blip r:embed="rId2"/>
-          <a:stretch>
-            <a:fillRect/>
-          </a:stretch>
-        </p:blipFill>
-        <p:spPr bwMode="hidden">
+        </p:nvSpPr>
+        <p:spPr>
           <a:xfrm>
-            <a:off x="4078128" y="105465"/>
-            <a:ext cx="3078448" cy="6912079"/>
+            <a:off x="1915385" y="2164374"/>
+            <a:ext cx="8361229" cy="2098226"/>
           </a:xfrm>
         </p:spPr>
-      </p:pic>
+        <p:txBody>
+          <a:bodyPr/>
+          <a:lstStyle/>
+          <a:p>
+            <a:r>
+              <a:rPr lang="fr-FR" dirty="0"/>
+              <a:t>Maquette</a:t>
+            </a:r>
+            <a:br>
+              <a:rPr lang="fr-FR" dirty="0"/>
+            </a:br>
+            <a:r>
+              <a:rPr lang="fr-FR" dirty="0"/>
+              <a:t> du site </a:t>
+            </a:r>
+          </a:p>
+        </p:txBody>
+      </p:sp>
     </p:spTree>
     <p:extLst>
       <p:ext uri="{BB962C8B-B14F-4D97-AF65-F5344CB8AC3E}">
-        <p14:creationId xmlns:p14="http://schemas.microsoft.com/office/powerpoint/2010/main" val="2014081793"/>
+        <p14:creationId xmlns:p14="http://schemas.microsoft.com/office/powerpoint/2010/main" val="2380306509"/>
       </p:ext>
     </p:extLst>
   </p:cSld>
   <p:clrMapOvr>
     <a:masterClrMapping/>
   </p:clrMapOvr>
-  <mc:AlternateContent xmlns:mc="http://schemas.openxmlformats.org/markup-compatibility/2006" xmlns:p14="http://schemas.microsoft.com/office/powerpoint/2010/main">
-    <mc:Choice Requires="p14">
-      <p:transition spd="slow" p14:dur="1300">
-        <p14:pan dir="u"/>
-      </p:transition>
-    </mc:Choice>
-    <mc:Fallback xmlns="">
-      <p:transition spd="slow">
-        <p:fade/>
-      </p:transition>
-    </mc:Fallback>
-  </mc:AlternateContent>
+  <p:transition spd="slow">
+    <p:push dir="u"/>
+  </p:transition>
   <p:timing>
     <p:tnLst>
       <p:par>
